--- a/Project_1_Eric.pptx
+++ b/Project_1_Eric.pptx
@@ -808,7 +808,7 @@
           <a:p>
             <a:fld id="{5F56E8FA-16AE-EC49-8E2B-AE7354BBB457}" type="datetimeFigureOut">
               <a:rPr lang="en-US" smtClean="0"/>
-              <a:t>5/21/2024</a:t>
+              <a:t>11/7/2024</a:t>
             </a:fld>
             <a:endParaRPr lang="en-US"/>
           </a:p>
@@ -1969,7 +1969,7 @@
           <a:p>
             <a:fld id="{5F56E8FA-16AE-EC49-8E2B-AE7354BBB457}" type="datetimeFigureOut">
               <a:rPr lang="en-US" smtClean="0"/>
-              <a:t>5/21/2024</a:t>
+              <a:t>11/7/2024</a:t>
             </a:fld>
             <a:endParaRPr lang="en-US"/>
           </a:p>
@@ -3023,7 +3023,7 @@
           <a:p>
             <a:fld id="{5F56E8FA-16AE-EC49-8E2B-AE7354BBB457}" type="datetimeFigureOut">
               <a:rPr lang="en-US" smtClean="0"/>
-              <a:t>5/21/2024</a:t>
+              <a:t>11/7/2024</a:t>
             </a:fld>
             <a:endParaRPr lang="en-US"/>
           </a:p>
@@ -4236,7 +4236,7 @@
           <a:p>
             <a:fld id="{5F56E8FA-16AE-EC49-8E2B-AE7354BBB457}" type="datetimeFigureOut">
               <a:rPr lang="en-US" smtClean="0"/>
-              <a:t>5/21/2024</a:t>
+              <a:t>11/7/2024</a:t>
             </a:fld>
             <a:endParaRPr lang="en-US"/>
           </a:p>
@@ -5340,7 +5340,7 @@
           <a:p>
             <a:fld id="{5F56E8FA-16AE-EC49-8E2B-AE7354BBB457}" type="datetimeFigureOut">
               <a:rPr lang="en-US" smtClean="0"/>
-              <a:t>5/21/2024</a:t>
+              <a:t>11/7/2024</a:t>
             </a:fld>
             <a:endParaRPr lang="en-US"/>
           </a:p>
@@ -5992,7 +5992,7 @@
           <a:p>
             <a:fld id="{5F56E8FA-16AE-EC49-8E2B-AE7354BBB457}" type="datetimeFigureOut">
               <a:rPr lang="en-US" smtClean="0"/>
-              <a:t>5/21/2024</a:t>
+              <a:t>11/7/2024</a:t>
             </a:fld>
             <a:endParaRPr lang="en-US"/>
           </a:p>
@@ -6839,7 +6839,7 @@
           <a:p>
             <a:fld id="{5F56E8FA-16AE-EC49-8E2B-AE7354BBB457}" type="datetimeFigureOut">
               <a:rPr lang="en-US" smtClean="0"/>
-              <a:t>5/21/2024</a:t>
+              <a:t>11/7/2024</a:t>
             </a:fld>
             <a:endParaRPr lang="en-US"/>
           </a:p>
@@ -7024,7 +7024,7 @@
           <a:p>
             <a:fld id="{5F56E8FA-16AE-EC49-8E2B-AE7354BBB457}" type="datetimeFigureOut">
               <a:rPr lang="en-US" smtClean="0"/>
-              <a:t>5/21/2024</a:t>
+              <a:t>11/7/2024</a:t>
             </a:fld>
             <a:endParaRPr lang="en-US"/>
           </a:p>
@@ -8065,7 +8065,7 @@
           <a:p>
             <a:fld id="{5F56E8FA-16AE-EC49-8E2B-AE7354BBB457}" type="datetimeFigureOut">
               <a:rPr lang="en-US" smtClean="0"/>
-              <a:t>5/21/2024</a:t>
+              <a:t>11/7/2024</a:t>
             </a:fld>
             <a:endParaRPr lang="en-US"/>
           </a:p>
@@ -8281,7 +8281,7 @@
           <a:p>
             <a:fld id="{5F56E8FA-16AE-EC49-8E2B-AE7354BBB457}" type="datetimeFigureOut">
               <a:rPr lang="en-US" smtClean="0"/>
-              <a:t>5/21/2024</a:t>
+              <a:t>11/7/2024</a:t>
             </a:fld>
             <a:endParaRPr lang="en-US"/>
           </a:p>
@@ -9386,7 +9386,7 @@
           <a:p>
             <a:fld id="{5F56E8FA-16AE-EC49-8E2B-AE7354BBB457}" type="datetimeFigureOut">
               <a:rPr lang="en-US" smtClean="0"/>
-              <a:t>5/21/2024</a:t>
+              <a:t>11/7/2024</a:t>
             </a:fld>
             <a:endParaRPr lang="en-US"/>
           </a:p>
@@ -9658,7 +9658,7 @@
           <a:p>
             <a:fld id="{5F56E8FA-16AE-EC49-8E2B-AE7354BBB457}" type="datetimeFigureOut">
               <a:rPr lang="en-US" smtClean="0"/>
-              <a:t>5/21/2024</a:t>
+              <a:t>11/7/2024</a:t>
             </a:fld>
             <a:endParaRPr lang="en-US"/>
           </a:p>
@@ -10040,7 +10040,7 @@
           <a:p>
             <a:fld id="{5F56E8FA-16AE-EC49-8E2B-AE7354BBB457}" type="datetimeFigureOut">
               <a:rPr lang="en-US" smtClean="0"/>
-              <a:t>5/21/2024</a:t>
+              <a:t>11/7/2024</a:t>
             </a:fld>
             <a:endParaRPr lang="en-US"/>
           </a:p>
@@ -10158,7 +10158,7 @@
           <a:p>
             <a:fld id="{5F56E8FA-16AE-EC49-8E2B-AE7354BBB457}" type="datetimeFigureOut">
               <a:rPr lang="en-US" smtClean="0"/>
-              <a:t>5/21/2024</a:t>
+              <a:t>11/7/2024</a:t>
             </a:fld>
             <a:endParaRPr lang="en-US"/>
           </a:p>
@@ -10253,7 +10253,7 @@
           <a:p>
             <a:fld id="{5F56E8FA-16AE-EC49-8E2B-AE7354BBB457}" type="datetimeFigureOut">
               <a:rPr lang="en-US" smtClean="0"/>
-              <a:t>5/21/2024</a:t>
+              <a:t>11/7/2024</a:t>
             </a:fld>
             <a:endParaRPr lang="en-US"/>
           </a:p>
@@ -11405,7 +11405,7 @@
           <a:p>
             <a:fld id="{5F56E8FA-16AE-EC49-8E2B-AE7354BBB457}" type="datetimeFigureOut">
               <a:rPr lang="en-US" smtClean="0"/>
-              <a:t>5/21/2024</a:t>
+              <a:t>11/7/2024</a:t>
             </a:fld>
             <a:endParaRPr lang="en-US"/>
           </a:p>
@@ -12581,7 +12581,7 @@
           <a:p>
             <a:fld id="{5F56E8FA-16AE-EC49-8E2B-AE7354BBB457}" type="datetimeFigureOut">
               <a:rPr lang="en-US" smtClean="0"/>
-              <a:t>5/21/2024</a:t>
+              <a:t>11/7/2024</a:t>
             </a:fld>
             <a:endParaRPr lang="en-US"/>
           </a:p>
@@ -13687,7 +13687,7 @@
           <a:p>
             <a:fld id="{5F56E8FA-16AE-EC49-8E2B-AE7354BBB457}" type="datetimeFigureOut">
               <a:rPr lang="en-US" smtClean="0"/>
-              <a:t>5/21/2024</a:t>
+              <a:t>11/7/2024</a:t>
             </a:fld>
             <a:endParaRPr lang="en-US"/>
           </a:p>
@@ -17209,7 +17209,7 @@
           <a:p>
             <a:r>
               <a:rPr lang="en-US" sz="2800" dirty="0"/>
-              <a:t>What are the trends and relationships between new cases, active cases and deaths worldwide?</a:t>
+              <a:t>What are the trends and relationships between new cases, active cases, and deaths worldwide?</a:t>
             </a:r>
           </a:p>
         </p:txBody>
@@ -17885,7 +17885,7 @@
                 </a:solidFill>
                 <a:latin typeface="+mj-lt"/>
               </a:rPr>
-              <a:t>What are these trends and relationships in the countries with the most COVID cases and how do they compare worldwide?</a:t>
+              <a:t>How do these trends differ in the countries with the highest COVID-19 case counts compared to global patterns?</a:t>
             </a:r>
           </a:p>
         </p:txBody>
@@ -18093,7 +18093,7 @@
                   <a:schemeClr val="bg1"/>
                 </a:solidFill>
               </a:rPr>
-              <a:t>What are these trends and relationships in the countries with the most COVID cases and how do they compare worldwide?</a:t>
+              <a:t>How do these trends differ in the countries with the highest COVID-19 case counts compared to global patterns?</a:t>
             </a:r>
             <a:endParaRPr lang="en-US" sz="2800" dirty="0"/>
           </a:p>
